--- a/IPL_Data_Analytics_Project_PPT.pptx
+++ b/IPL_Data_Analytics_Project_PPT.pptx
@@ -749,7 +749,7 @@
           </a:ln>
           <a:extLst>
             <a:ext uri="{91240B29-F687-4f45-9708-019B960494DF}">
-              <a14:hiddenLine xmlns:a14="http://schemas.microsoft.com/office/drawing/2010/main" xmlns="" w="9525">
+              <a14:hiddenLine xmlns="" xmlns:a14="http://schemas.microsoft.com/office/drawing/2010/main" w="9525">
                 <a:solidFill>
                   <a:srgbClr val="000000"/>
                 </a:solidFill>
@@ -804,7 +804,7 @@
           </a:ln>
           <a:extLst>
             <a:ext uri="{91240B29-F687-4f45-9708-019B960494DF}">
-              <a14:hiddenLine xmlns:a14="http://schemas.microsoft.com/office/drawing/2010/main" xmlns="" w="9525">
+              <a14:hiddenLine xmlns="" xmlns:a14="http://schemas.microsoft.com/office/drawing/2010/main" w="9525">
                 <a:solidFill>
                   <a:srgbClr val="000000"/>
                 </a:solidFill>
@@ -6361,7 +6361,11 @@
           <a:p>
             <a:r>
               <a:rPr lang="en-IN" dirty="0"/>
-              <a:t>:Faisal Ansari(202410101150081)</a:t>
+              <a:t>:Faisal Ansari</a:t>
+            </a:r>
+            <a:r>
+              <a:rPr lang="en-IN"/>
+              <a:t>(202410101150079)</a:t>
             </a:r>
             <a:endParaRPr dirty="0"/>
           </a:p>
@@ -6751,6 +6755,11 @@
               <a:rPr dirty="0"/>
               <a:t>• Removed duplicates</a:t>
             </a:r>
+            <a:r>
+              <a:rPr lang="en-IN" dirty="0"/>
+              <a:t> (Data&gt;&gt;Remove duplicates)</a:t>
+            </a:r>
+            <a:endParaRPr dirty="0"/>
           </a:p>
           <a:p>
             <a:pPr>
@@ -6759,7 +6768,11 @@
             </a:pPr>
             <a:r>
               <a:rPr dirty="0"/>
-              <a:t>• Handled missing values (replaced with 0 or NA)</a:t>
+              <a:t>• Handled missing values (replaced with 0 or N</a:t>
+            </a:r>
+            <a:r>
+              <a:rPr lang="en-US" dirty="0"/>
+              <a:t>A)</a:t>
             </a:r>
           </a:p>
           <a:p>
@@ -6768,8 +6781,8 @@
               <a:buChar char="v"/>
             </a:pPr>
             <a:r>
-              <a:rPr dirty="0"/>
-              <a:t>• Formatted column names and data types</a:t>
+              <a:rPr lang="en-US" dirty="0"/>
+              <a:t>• Formatted column names and data types (ctrl+1)</a:t>
             </a:r>
           </a:p>
           <a:p>
@@ -6781,6 +6794,11 @@
               <a:rPr dirty="0"/>
               <a:t>• Added filters for easy analysis</a:t>
             </a:r>
+            <a:r>
+              <a:rPr lang="en-IN" dirty="0"/>
+              <a:t> (Data&gt;&gt;Filter)</a:t>
+            </a:r>
+            <a:endParaRPr dirty="0"/>
           </a:p>
         </p:txBody>
       </p:sp>
